--- a/p3.pptx
+++ b/p3.pptx
@@ -301,7 +301,7 @@
           <a:p>
             <a:fld id="{90A79B2E-C413-4C3F-B21B-1188469F8032}" type="slidenum">
               <a:rPr lang="de-AT" smtClean="0"/>
-              <a:t>‹Nr.›</a:t>
+              <a:t>‹#›</a:t>
             </a:fld>
             <a:endParaRPr lang="de-AT"/>
           </a:p>
@@ -471,7 +471,7 @@
           <a:p>
             <a:fld id="{90A79B2E-C413-4C3F-B21B-1188469F8032}" type="slidenum">
               <a:rPr lang="de-AT" smtClean="0"/>
-              <a:t>‹Nr.›</a:t>
+              <a:t>‹#›</a:t>
             </a:fld>
             <a:endParaRPr lang="de-AT"/>
           </a:p>
@@ -651,7 +651,7 @@
           <a:p>
             <a:fld id="{90A79B2E-C413-4C3F-B21B-1188469F8032}" type="slidenum">
               <a:rPr lang="de-AT" smtClean="0"/>
-              <a:t>‹Nr.›</a:t>
+              <a:t>‹#›</a:t>
             </a:fld>
             <a:endParaRPr lang="de-AT"/>
           </a:p>
@@ -821,7 +821,7 @@
           <a:p>
             <a:fld id="{90A79B2E-C413-4C3F-B21B-1188469F8032}" type="slidenum">
               <a:rPr lang="de-AT" smtClean="0"/>
-              <a:t>‹Nr.›</a:t>
+              <a:t>‹#›</a:t>
             </a:fld>
             <a:endParaRPr lang="de-AT"/>
           </a:p>
@@ -1067,7 +1067,7 @@
           <a:p>
             <a:fld id="{90A79B2E-C413-4C3F-B21B-1188469F8032}" type="slidenum">
               <a:rPr lang="de-AT" smtClean="0"/>
-              <a:t>‹Nr.›</a:t>
+              <a:t>‹#›</a:t>
             </a:fld>
             <a:endParaRPr lang="de-AT"/>
           </a:p>
@@ -1299,7 +1299,7 @@
           <a:p>
             <a:fld id="{90A79B2E-C413-4C3F-B21B-1188469F8032}" type="slidenum">
               <a:rPr lang="de-AT" smtClean="0"/>
-              <a:t>‹Nr.›</a:t>
+              <a:t>‹#›</a:t>
             </a:fld>
             <a:endParaRPr lang="de-AT"/>
           </a:p>
@@ -1666,7 +1666,7 @@
           <a:p>
             <a:fld id="{90A79B2E-C413-4C3F-B21B-1188469F8032}" type="slidenum">
               <a:rPr lang="de-AT" smtClean="0"/>
-              <a:t>‹Nr.›</a:t>
+              <a:t>‹#›</a:t>
             </a:fld>
             <a:endParaRPr lang="de-AT"/>
           </a:p>
@@ -1784,7 +1784,7 @@
           <a:p>
             <a:fld id="{90A79B2E-C413-4C3F-B21B-1188469F8032}" type="slidenum">
               <a:rPr lang="de-AT" smtClean="0"/>
-              <a:t>‹Nr.›</a:t>
+              <a:t>‹#›</a:t>
             </a:fld>
             <a:endParaRPr lang="de-AT"/>
           </a:p>
@@ -1879,7 +1879,7 @@
           <a:p>
             <a:fld id="{90A79B2E-C413-4C3F-B21B-1188469F8032}" type="slidenum">
               <a:rPr lang="de-AT" smtClean="0"/>
-              <a:t>‹Nr.›</a:t>
+              <a:t>‹#›</a:t>
             </a:fld>
             <a:endParaRPr lang="de-AT"/>
           </a:p>
@@ -2156,7 +2156,7 @@
           <a:p>
             <a:fld id="{90A79B2E-C413-4C3F-B21B-1188469F8032}" type="slidenum">
               <a:rPr lang="de-AT" smtClean="0"/>
-              <a:t>‹Nr.›</a:t>
+              <a:t>‹#›</a:t>
             </a:fld>
             <a:endParaRPr lang="de-AT"/>
           </a:p>
@@ -2409,7 +2409,7 @@
           <a:p>
             <a:fld id="{90A79B2E-C413-4C3F-B21B-1188469F8032}" type="slidenum">
               <a:rPr lang="de-AT" smtClean="0"/>
-              <a:t>‹Nr.›</a:t>
+              <a:t>‹#›</a:t>
             </a:fld>
             <a:endParaRPr lang="de-AT"/>
           </a:p>
@@ -2658,7 +2658,7 @@
           <a:p>
             <a:fld id="{90A79B2E-C413-4C3F-B21B-1188469F8032}" type="slidenum">
               <a:rPr lang="de-AT" smtClean="0"/>
-              <a:t>‹Nr.›</a:t>
+              <a:t>‹#›</a:t>
             </a:fld>
             <a:endParaRPr lang="de-AT"/>
           </a:p>
@@ -3112,11 +3112,7 @@
             </a:r>
             <a:r>
               <a:rPr lang="en-US" dirty="0" smtClean="0"/>
-              <a:t> using HTTP </a:t>
-            </a:r>
-            <a:r>
-              <a:rPr lang="en-US" dirty="0" smtClean="0"/>
-              <a:t>Requests </a:t>
+              <a:t> using HTTP Requests </a:t>
             </a:r>
             <a:endParaRPr lang="de-AT" dirty="0"/>
           </a:p>
@@ -3169,11 +3165,7 @@
           <a:p>
             <a:r>
               <a:rPr lang="de-AT" dirty="0" smtClean="0"/>
-              <a:t>SOAP </a:t>
-            </a:r>
-            <a:r>
-              <a:rPr lang="de-AT" dirty="0" smtClean="0"/>
-              <a:t>Message Information</a:t>
+              <a:t>SOAP Message Information</a:t>
             </a:r>
             <a:endParaRPr lang="de-AT" dirty="0"/>
           </a:p>
@@ -4134,11 +4126,7 @@
           <a:p>
             <a:r>
               <a:rPr lang="en-US" dirty="0" smtClean="0"/>
-              <a:t>Uses WSDL to describe interfaces to web </a:t>
-            </a:r>
-            <a:r>
-              <a:rPr lang="en-US" dirty="0" smtClean="0"/>
-              <a:t>services</a:t>
+              <a:t>Uses WSDL to describe interfaces to web services</a:t>
             </a:r>
           </a:p>
           <a:p>
@@ -4586,11 +4574,7 @@
             </a:r>
             <a:r>
               <a:rPr lang="de-AT" dirty="0" smtClean="0"/>
-              <a:t> </a:t>
-            </a:r>
-            <a:r>
-              <a:rPr lang="de-AT" dirty="0" smtClean="0"/>
-              <a:t>URI</a:t>
+              <a:t> URI</a:t>
             </a:r>
           </a:p>
           <a:p>
@@ -4637,11 +4621,7 @@
             </a:r>
             <a:r>
               <a:rPr lang="en-US" dirty="0" smtClean="0"/>
-              <a:t>representations of </a:t>
-            </a:r>
-            <a:r>
-              <a:rPr lang="en-US" dirty="0" smtClean="0"/>
-              <a:t>resources</a:t>
+              <a:t>representations of resources</a:t>
             </a:r>
             <a:endParaRPr lang="de-AT" dirty="0" smtClean="0"/>
           </a:p>
@@ -5398,11 +5378,7 @@
           <a:p>
             <a:r>
               <a:rPr lang="en-US" dirty="0" smtClean="0"/>
-              <a:t>Stand for itself </a:t>
-            </a:r>
-            <a:r>
-              <a:rPr lang="en-US" dirty="0" smtClean="0"/>
-              <a:t>now</a:t>
+              <a:t>Stand for itself now</a:t>
             </a:r>
           </a:p>
           <a:p>
@@ -5413,7 +5389,6 @@
               <a:rPr lang="en-US" dirty="0" smtClean="0"/>
               <a:t>Ordinary XML document</a:t>
             </a:r>
-            <a:endParaRPr lang="en-US" dirty="0" smtClean="0"/>
           </a:p>
           <a:p>
             <a:pPr marL="0" indent="0">
